--- a/포트폴리오_김상현_2021.pptx
+++ b/포트폴리오_김상현_2021.pptx
@@ -3447,31 +3447,6 @@
           <a:chExt cx="0" cy="0"/>
         </a:xfrm>
       </p:grpSpPr>
-      <p:sp>
-        <p:nvSpPr>
-          <p:cNvPr id="2" name="제목 1">
-            <a:extLst>
-              <a:ext uri="{FF2B5EF4-FFF2-40B4-BE49-F238E27FC236}">
-                <a16:creationId xmlns:a16="http://schemas.microsoft.com/office/drawing/2014/main" id="{5F530E0B-89DC-4837-8E44-15EF2001AF33}"/>
-              </a:ext>
-            </a:extLst>
-          </p:cNvPr>
-          <p:cNvSpPr>
-            <a:spLocks noGrp="1"/>
-          </p:cNvSpPr>
-          <p:nvPr>
-            <p:ph type="title"/>
-          </p:nvPr>
-        </p:nvSpPr>
-        <p:spPr/>
-        <p:txBody>
-          <a:bodyPr/>
-          <a:lstStyle/>
-          <a:p>
-            <a:endParaRPr lang="ko-KR" altLang="en-US" dirty="0"/>
-          </a:p>
-        </p:txBody>
-      </p:sp>
       <p:sp>
         <p:nvSpPr>
           <p:cNvPr id="5" name="제목 1">
@@ -10406,12 +10381,12 @@
 </file>
 
 <file path=customXml/item1.xml><?xml version="1.0" encoding="utf-8"?>
-<p:properties xmlns:p="http://schemas.microsoft.com/office/2006/metadata/properties" xmlns:xsi="http://www.w3.org/2001/XMLSchema-instance" xmlns:pc="http://schemas.microsoft.com/office/infopath/2007/PartnerControls">
-  <documentManagement>
-    <Status xmlns="71af3243-3dd4-4a8d-8c0d-dd76da1f02a5">Not started</Status>
-    <MediaServiceKeyPoints xmlns="71af3243-3dd4-4a8d-8c0d-dd76da1f02a5" xsi:nil="true"/>
-  </documentManagement>
-</p:properties>
+<?mso-contentType ?>
+<FormTemplates xmlns="http://schemas.microsoft.com/sharepoint/v3/contenttype/forms">
+  <Display>DocumentLibraryForm</Display>
+  <Edit>DocumentLibraryForm</Edit>
+  <New>DocumentLibraryForm</New>
+</FormTemplates>
 </file>
 
 <file path=customXml/item2.xml><?xml version="1.0" encoding="utf-8"?>
@@ -10636,27 +10611,18 @@
 </file>
 
 <file path=customXml/item3.xml><?xml version="1.0" encoding="utf-8"?>
-<?mso-contentType ?>
-<FormTemplates xmlns="http://schemas.microsoft.com/sharepoint/v3/contenttype/forms">
-  <Display>DocumentLibraryForm</Display>
-  <Edit>DocumentLibraryForm</Edit>
-  <New>DocumentLibraryForm</New>
-</FormTemplates>
+<p:properties xmlns:p="http://schemas.microsoft.com/office/2006/metadata/properties" xmlns:xsi="http://www.w3.org/2001/XMLSchema-instance" xmlns:pc="http://schemas.microsoft.com/office/infopath/2007/PartnerControls">
+  <documentManagement>
+    <Status xmlns="71af3243-3dd4-4a8d-8c0d-dd76da1f02a5">Not started</Status>
+    <MediaServiceKeyPoints xmlns="71af3243-3dd4-4a8d-8c0d-dd76da1f02a5" xsi:nil="true"/>
+  </documentManagement>
+</p:properties>
 </file>
 
 <file path=customXml/itemProps1.xml><?xml version="1.0" encoding="utf-8"?>
-<ds:datastoreItem xmlns:ds="http://schemas.openxmlformats.org/officeDocument/2006/customXml" ds:itemID="{950072C5-DDE0-4258-BA7A-4D4B80DFA632}">
+<ds:datastoreItem xmlns:ds="http://schemas.openxmlformats.org/officeDocument/2006/customXml" ds:itemID="{7EE8C63A-4744-4DE4-BB49-0FF0B5375C60}">
   <ds:schemaRefs>
-    <ds:schemaRef ds:uri="http://purl.org/dc/elements/1.1/"/>
-    <ds:schemaRef ds:uri="http://purl.org/dc/dcmitype/"/>
-    <ds:schemaRef ds:uri="http://schemas.microsoft.com/office/2006/metadata/properties"/>
-    <ds:schemaRef ds:uri="http://schemas.microsoft.com/office/infopath/2007/PartnerControls"/>
-    <ds:schemaRef ds:uri="http://schemas.microsoft.com/office/2006/documentManagement/types"/>
-    <ds:schemaRef ds:uri="http://www.w3.org/XML/1998/namespace"/>
-    <ds:schemaRef ds:uri="71af3243-3dd4-4a8d-8c0d-dd76da1f02a5"/>
-    <ds:schemaRef ds:uri="http://schemas.openxmlformats.org/package/2006/metadata/core-properties"/>
-    <ds:schemaRef ds:uri="16c05727-aa75-4e4a-9b5f-8a80a1165891"/>
-    <ds:schemaRef ds:uri="http://purl.org/dc/terms/"/>
+    <ds:schemaRef ds:uri="http://schemas.microsoft.com/sharepoint/v3/contenttype/forms"/>
   </ds:schemaRefs>
 </ds:datastoreItem>
 </file>
@@ -10681,9 +10647,18 @@
 </file>
 
 <file path=customXml/itemProps3.xml><?xml version="1.0" encoding="utf-8"?>
-<ds:datastoreItem xmlns:ds="http://schemas.openxmlformats.org/officeDocument/2006/customXml" ds:itemID="{7EE8C63A-4744-4DE4-BB49-0FF0B5375C60}">
+<ds:datastoreItem xmlns:ds="http://schemas.openxmlformats.org/officeDocument/2006/customXml" ds:itemID="{950072C5-DDE0-4258-BA7A-4D4B80DFA632}">
   <ds:schemaRefs>
-    <ds:schemaRef ds:uri="http://schemas.microsoft.com/sharepoint/v3/contenttype/forms"/>
+    <ds:schemaRef ds:uri="http://purl.org/dc/elements/1.1/"/>
+    <ds:schemaRef ds:uri="http://purl.org/dc/dcmitype/"/>
+    <ds:schemaRef ds:uri="http://schemas.microsoft.com/office/2006/metadata/properties"/>
+    <ds:schemaRef ds:uri="http://schemas.microsoft.com/office/infopath/2007/PartnerControls"/>
+    <ds:schemaRef ds:uri="http://schemas.microsoft.com/office/2006/documentManagement/types"/>
+    <ds:schemaRef ds:uri="http://www.w3.org/XML/1998/namespace"/>
+    <ds:schemaRef ds:uri="71af3243-3dd4-4a8d-8c0d-dd76da1f02a5"/>
+    <ds:schemaRef ds:uri="http://schemas.openxmlformats.org/package/2006/metadata/core-properties"/>
+    <ds:schemaRef ds:uri="16c05727-aa75-4e4a-9b5f-8a80a1165891"/>
+    <ds:schemaRef ds:uri="http://purl.org/dc/terms/"/>
   </ds:schemaRefs>
 </ds:datastoreItem>
 </file>